--- a/READY2EAT.pptx
+++ b/READY2EAT.pptx
@@ -112,7 +112,7 @@
   </p:defaultTextStyle>
   <p:extLst>
     <p:ext uri="{521415D9-36F7-43E2-AB2F-B90AF26B5E84}">
-      <p14:sectionLst xmlns:p14="http://schemas.microsoft.com/office/powerpoint/2010/main">
+      <p14:sectionLst xmlns:p14="http://schemas.microsoft.com/office/powerpoint/2010/main" xmlns="">
         <p14:section name="Default Section" id="{9A64A7D0-94E9-44D0-8B6A-C05EB9C0124A}">
           <p14:sldIdLst>
             <p14:sldId id="256"/>
@@ -161,7 +161,7 @@
       </p:grpSpPr>
       <p:sp>
         <p:nvSpPr>
-          <p:cNvPr id="11" name="Freeform 6" title="scalloped circle"/>
+          <p:cNvPr id="11" name="Freeform 6"/>
           <p:cNvSpPr/>
           <p:nvPr/>
         </p:nvSpPr>
@@ -1345,7 +1345,8 @@
           <a:p>
             <a:fld id="{4708F9EB-58F5-40FE-8B35-EE98E53F9B00}" type="datetimeFigureOut">
               <a:rPr lang="ro-RO" smtClean="0"/>
-              <a:t>10.03.2020</a:t>
+              <a:pPr/>
+              <a:t>07.06.2020</a:t>
             </a:fld>
             <a:endParaRPr lang="ro-RO"/>
           </a:p>
@@ -1417,6 +1418,7 @@
           <a:p>
             <a:fld id="{73B0D5A8-B919-446E-BC1F-11725B04E1C3}" type="slidenum">
               <a:rPr lang="ro-RO" smtClean="0"/>
+              <a:pPr/>
               <a:t>‹#›</a:t>
             </a:fld>
             <a:endParaRPr lang="ro-RO"/>
@@ -1425,7 +1427,7 @@
       </p:sp>
       <p:sp>
         <p:nvSpPr>
-          <p:cNvPr id="13" name="Rectangle 12" title="left edge border"/>
+          <p:cNvPr id="13" name="Rectangle 12"/>
           <p:cNvSpPr/>
           <p:nvPr/>
         </p:nvSpPr>
@@ -1464,7 +1466,7 @@
     </p:spTree>
     <p:extLst>
       <p:ext uri="{BB962C8B-B14F-4D97-AF65-F5344CB8AC3E}">
-        <p14:creationId xmlns:p14="http://schemas.microsoft.com/office/powerpoint/2010/main" val="2345852010"/>
+        <p14:creationId xmlns:p14="http://schemas.microsoft.com/office/powerpoint/2010/main" xmlns="" val="2345852010"/>
       </p:ext>
     </p:extLst>
   </p:cSld>
@@ -1583,7 +1585,8 @@
           <a:p>
             <a:fld id="{4708F9EB-58F5-40FE-8B35-EE98E53F9B00}" type="datetimeFigureOut">
               <a:rPr lang="ro-RO" smtClean="0"/>
-              <a:t>10.03.2020</a:t>
+              <a:pPr/>
+              <a:t>07.06.2020</a:t>
             </a:fld>
             <a:endParaRPr lang="ro-RO"/>
           </a:p>
@@ -1625,6 +1628,7 @@
           <a:p>
             <a:fld id="{73B0D5A8-B919-446E-BC1F-11725B04E1C3}" type="slidenum">
               <a:rPr lang="ro-RO" smtClean="0"/>
+              <a:pPr/>
               <a:t>‹#›</a:t>
             </a:fld>
             <a:endParaRPr lang="ro-RO"/>
@@ -1634,7 +1638,7 @@
     </p:spTree>
     <p:extLst>
       <p:ext uri="{BB962C8B-B14F-4D97-AF65-F5344CB8AC3E}">
-        <p14:creationId xmlns:p14="http://schemas.microsoft.com/office/powerpoint/2010/main" val="1068630743"/>
+        <p14:creationId xmlns:p14="http://schemas.microsoft.com/office/powerpoint/2010/main" xmlns="" val="1068630743"/>
       </p:ext>
     </p:extLst>
   </p:cSld>
@@ -1763,7 +1767,8 @@
           <a:p>
             <a:fld id="{4708F9EB-58F5-40FE-8B35-EE98E53F9B00}" type="datetimeFigureOut">
               <a:rPr lang="ro-RO" smtClean="0"/>
-              <a:t>10.03.2020</a:t>
+              <a:pPr/>
+              <a:t>07.06.2020</a:t>
             </a:fld>
             <a:endParaRPr lang="ro-RO"/>
           </a:p>
@@ -1805,6 +1810,7 @@
           <a:p>
             <a:fld id="{73B0D5A8-B919-446E-BC1F-11725B04E1C3}" type="slidenum">
               <a:rPr lang="ro-RO" smtClean="0"/>
+              <a:pPr/>
               <a:t>‹#›</a:t>
             </a:fld>
             <a:endParaRPr lang="ro-RO"/>
@@ -1814,7 +1820,7 @@
     </p:spTree>
     <p:extLst>
       <p:ext uri="{BB962C8B-B14F-4D97-AF65-F5344CB8AC3E}">
-        <p14:creationId xmlns:p14="http://schemas.microsoft.com/office/powerpoint/2010/main" val="585948190"/>
+        <p14:creationId xmlns:p14="http://schemas.microsoft.com/office/powerpoint/2010/main" xmlns="" val="585948190"/>
       </p:ext>
     </p:extLst>
   </p:cSld>
@@ -1933,7 +1939,8 @@
           <a:p>
             <a:fld id="{4708F9EB-58F5-40FE-8B35-EE98E53F9B00}" type="datetimeFigureOut">
               <a:rPr lang="ro-RO" smtClean="0"/>
-              <a:t>10.03.2020</a:t>
+              <a:pPr/>
+              <a:t>07.06.2020</a:t>
             </a:fld>
             <a:endParaRPr lang="ro-RO"/>
           </a:p>
@@ -1975,6 +1982,7 @@
           <a:p>
             <a:fld id="{73B0D5A8-B919-446E-BC1F-11725B04E1C3}" type="slidenum">
               <a:rPr lang="ro-RO" smtClean="0"/>
+              <a:pPr/>
               <a:t>‹#›</a:t>
             </a:fld>
             <a:endParaRPr lang="ro-RO"/>
@@ -1984,7 +1992,7 @@
     </p:spTree>
     <p:extLst>
       <p:ext uri="{BB962C8B-B14F-4D97-AF65-F5344CB8AC3E}">
-        <p14:creationId xmlns:p14="http://schemas.microsoft.com/office/powerpoint/2010/main" val="3226578442"/>
+        <p14:creationId xmlns:p14="http://schemas.microsoft.com/office/powerpoint/2010/main" xmlns="" val="3226578442"/>
       </p:ext>
     </p:extLst>
   </p:cSld>
@@ -2209,7 +2217,8 @@
           <a:p>
             <a:fld id="{4708F9EB-58F5-40FE-8B35-EE98E53F9B00}" type="datetimeFigureOut">
               <a:rPr lang="ro-RO" smtClean="0"/>
-              <a:t>10.03.2020</a:t>
+              <a:pPr/>
+              <a:t>07.06.2020</a:t>
             </a:fld>
             <a:endParaRPr lang="ro-RO"/>
           </a:p>
@@ -2277,6 +2286,7 @@
           <a:p>
             <a:fld id="{73B0D5A8-B919-446E-BC1F-11725B04E1C3}" type="slidenum">
               <a:rPr lang="ro-RO" smtClean="0"/>
+              <a:pPr/>
               <a:t>‹#›</a:t>
             </a:fld>
             <a:endParaRPr lang="ro-RO"/>
@@ -2285,7 +2295,7 @@
       </p:sp>
       <p:grpSp>
         <p:nvGrpSpPr>
-          <p:cNvPr id="7" name="Group 6" title="left scallop shape"/>
+          <p:cNvPr id="7" name="Group 6"/>
           <p:cNvGrpSpPr/>
           <p:nvPr/>
         </p:nvGrpSpPr>
@@ -2299,7 +2309,7 @@
         </p:grpSpPr>
         <p:sp>
           <p:nvSpPr>
-            <p:cNvPr id="11" name="Freeform 6" title="left scallop shape"/>
+            <p:cNvPr id="11" name="Freeform 6"/>
             <p:cNvSpPr/>
             <p:nvPr/>
           </p:nvSpPr>
@@ -2622,7 +2632,7 @@
         </p:sp>
         <p:sp>
           <p:nvSpPr>
-            <p:cNvPr id="16" name="Freeform 11" title="left scallop inline"/>
+            <p:cNvPr id="16" name="Freeform 11"/>
             <p:cNvSpPr/>
             <p:nvPr/>
           </p:nvSpPr>
@@ -3229,7 +3239,7 @@
     </p:spTree>
     <p:extLst>
       <p:ext uri="{BB962C8B-B14F-4D97-AF65-F5344CB8AC3E}">
-        <p14:creationId xmlns:p14="http://schemas.microsoft.com/office/powerpoint/2010/main" val="2755354058"/>
+        <p14:creationId xmlns:p14="http://schemas.microsoft.com/office/powerpoint/2010/main" xmlns="" val="2755354058"/>
       </p:ext>
     </p:extLst>
   </p:cSld>
@@ -3410,7 +3420,8 @@
           <a:p>
             <a:fld id="{4708F9EB-58F5-40FE-8B35-EE98E53F9B00}" type="datetimeFigureOut">
               <a:rPr lang="ro-RO" smtClean="0"/>
-              <a:t>10.03.2020</a:t>
+              <a:pPr/>
+              <a:t>07.06.2020</a:t>
             </a:fld>
             <a:endParaRPr lang="ro-RO"/>
           </a:p>
@@ -3452,6 +3463,7 @@
           <a:p>
             <a:fld id="{73B0D5A8-B919-446E-BC1F-11725B04E1C3}" type="slidenum">
               <a:rPr lang="ro-RO" smtClean="0"/>
+              <a:pPr/>
               <a:t>‹#›</a:t>
             </a:fld>
             <a:endParaRPr lang="ro-RO"/>
@@ -3461,7 +3473,7 @@
     </p:spTree>
     <p:extLst>
       <p:ext uri="{BB962C8B-B14F-4D97-AF65-F5344CB8AC3E}">
-        <p14:creationId xmlns:p14="http://schemas.microsoft.com/office/powerpoint/2010/main" val="2444672165"/>
+        <p14:creationId xmlns:p14="http://schemas.microsoft.com/office/powerpoint/2010/main" xmlns="" val="2444672165"/>
       </p:ext>
     </p:extLst>
   </p:cSld>
@@ -3470,7 +3482,7 @@
   </p:clrMapOvr>
   <p:extLst>
     <p:ext uri="{DCECCB84-F9BA-43D5-87BE-67443E8EF086}">
-      <p15:sldGuideLst xmlns:p15="http://schemas.microsoft.com/office/powerpoint/2012/main"/>
+      <p15:sldGuideLst xmlns:p15="http://schemas.microsoft.com/office/powerpoint/2012/main" xmlns=""/>
     </p:ext>
   </p:extLst>
 </p:sldLayout>
@@ -3800,7 +3812,8 @@
           <a:p>
             <a:fld id="{4708F9EB-58F5-40FE-8B35-EE98E53F9B00}" type="datetimeFigureOut">
               <a:rPr lang="ro-RO" smtClean="0"/>
-              <a:t>10.03.2020</a:t>
+              <a:pPr/>
+              <a:t>07.06.2020</a:t>
             </a:fld>
             <a:endParaRPr lang="ro-RO"/>
           </a:p>
@@ -3842,6 +3855,7 @@
           <a:p>
             <a:fld id="{73B0D5A8-B919-446E-BC1F-11725B04E1C3}" type="slidenum">
               <a:rPr lang="ro-RO" smtClean="0"/>
+              <a:pPr/>
               <a:t>‹#›</a:t>
             </a:fld>
             <a:endParaRPr lang="ro-RO"/>
@@ -3851,7 +3865,7 @@
     </p:spTree>
     <p:extLst>
       <p:ext uri="{BB962C8B-B14F-4D97-AF65-F5344CB8AC3E}">
-        <p14:creationId xmlns:p14="http://schemas.microsoft.com/office/powerpoint/2010/main" val="3190252089"/>
+        <p14:creationId xmlns:p14="http://schemas.microsoft.com/office/powerpoint/2010/main" xmlns="" val="3190252089"/>
       </p:ext>
     </p:extLst>
   </p:cSld>
@@ -3860,7 +3874,7 @@
   </p:clrMapOvr>
   <p:extLst>
     <p:ext uri="{DCECCB84-F9BA-43D5-87BE-67443E8EF086}">
-      <p15:sldGuideLst xmlns:p15="http://schemas.microsoft.com/office/powerpoint/2012/main"/>
+      <p15:sldGuideLst xmlns:p15="http://schemas.microsoft.com/office/powerpoint/2012/main" xmlns=""/>
     </p:ext>
   </p:extLst>
 </p:sldLayout>
@@ -3923,7 +3937,8 @@
           <a:p>
             <a:fld id="{4708F9EB-58F5-40FE-8B35-EE98E53F9B00}" type="datetimeFigureOut">
               <a:rPr lang="ro-RO" smtClean="0"/>
-              <a:t>10.03.2020</a:t>
+              <a:pPr/>
+              <a:t>07.06.2020</a:t>
             </a:fld>
             <a:endParaRPr lang="ro-RO"/>
           </a:p>
@@ -3965,6 +3980,7 @@
           <a:p>
             <a:fld id="{73B0D5A8-B919-446E-BC1F-11725B04E1C3}" type="slidenum">
               <a:rPr lang="ro-RO" smtClean="0"/>
+              <a:pPr/>
               <a:t>‹#›</a:t>
             </a:fld>
             <a:endParaRPr lang="ro-RO"/>
@@ -3974,7 +3990,7 @@
     </p:spTree>
     <p:extLst>
       <p:ext uri="{BB962C8B-B14F-4D97-AF65-F5344CB8AC3E}">
-        <p14:creationId xmlns:p14="http://schemas.microsoft.com/office/powerpoint/2010/main" val="1333117316"/>
+        <p14:creationId xmlns:p14="http://schemas.microsoft.com/office/powerpoint/2010/main" xmlns="" val="1333117316"/>
       </p:ext>
     </p:extLst>
   </p:cSld>
@@ -4018,7 +4034,8 @@
           <a:p>
             <a:fld id="{4708F9EB-58F5-40FE-8B35-EE98E53F9B00}" type="datetimeFigureOut">
               <a:rPr lang="ro-RO" smtClean="0"/>
-              <a:t>10.03.2020</a:t>
+              <a:pPr/>
+              <a:t>07.06.2020</a:t>
             </a:fld>
             <a:endParaRPr lang="ro-RO"/>
           </a:p>
@@ -4060,6 +4077,7 @@
           <a:p>
             <a:fld id="{73B0D5A8-B919-446E-BC1F-11725B04E1C3}" type="slidenum">
               <a:rPr lang="ro-RO" smtClean="0"/>
+              <a:pPr/>
               <a:t>‹#›</a:t>
             </a:fld>
             <a:endParaRPr lang="ro-RO"/>
@@ -4069,7 +4087,7 @@
     </p:spTree>
     <p:extLst>
       <p:ext uri="{BB962C8B-B14F-4D97-AF65-F5344CB8AC3E}">
-        <p14:creationId xmlns:p14="http://schemas.microsoft.com/office/powerpoint/2010/main" val="3927844261"/>
+        <p14:creationId xmlns:p14="http://schemas.microsoft.com/office/powerpoint/2010/main" xmlns="" val="3927844261"/>
       </p:ext>
     </p:extLst>
   </p:cSld>
@@ -4098,7 +4116,7 @@
       </p:grpSpPr>
       <p:sp>
         <p:nvSpPr>
-          <p:cNvPr id="17" name="Freeform 11" title="right scallop background shape"/>
+          <p:cNvPr id="17" name="Freeform 11"/>
           <p:cNvSpPr/>
           <p:nvPr/>
         </p:nvSpPr>
@@ -4781,7 +4799,8 @@
           <a:p>
             <a:fld id="{4708F9EB-58F5-40FE-8B35-EE98E53F9B00}" type="datetimeFigureOut">
               <a:rPr lang="ro-RO" smtClean="0"/>
-              <a:t>10.03.2020</a:t>
+              <a:pPr/>
+              <a:t>07.06.2020</a:t>
             </a:fld>
             <a:endParaRPr lang="ro-RO"/>
           </a:p>
@@ -4833,6 +4852,7 @@
           <a:p>
             <a:fld id="{73B0D5A8-B919-446E-BC1F-11725B04E1C3}" type="slidenum">
               <a:rPr lang="ro-RO" smtClean="0"/>
+              <a:pPr/>
               <a:t>‹#›</a:t>
             </a:fld>
             <a:endParaRPr lang="ro-RO"/>
@@ -4841,7 +4861,7 @@
       </p:sp>
       <p:sp>
         <p:nvSpPr>
-          <p:cNvPr id="8" name="Rectangle 7" title="left edge border"/>
+          <p:cNvPr id="8" name="Rectangle 7"/>
           <p:cNvSpPr/>
           <p:nvPr/>
         </p:nvSpPr>
@@ -4880,7 +4900,7 @@
     </p:spTree>
     <p:extLst>
       <p:ext uri="{BB962C8B-B14F-4D97-AF65-F5344CB8AC3E}">
-        <p14:creationId xmlns:p14="http://schemas.microsoft.com/office/powerpoint/2010/main" val="3391468342"/>
+        <p14:creationId xmlns:p14="http://schemas.microsoft.com/office/powerpoint/2010/main" xmlns="" val="3391468342"/>
       </p:ext>
     </p:extLst>
   </p:cSld>
@@ -4889,7 +4909,7 @@
   </p:clrMapOvr>
   <p:extLst>
     <p:ext uri="{DCECCB84-F9BA-43D5-87BE-67443E8EF086}">
-      <p15:sldGuideLst xmlns:p15="http://schemas.microsoft.com/office/powerpoint/2012/main">
+      <p15:sldGuideLst xmlns:p15="http://schemas.microsoft.com/office/powerpoint/2012/main" xmlns="">
         <p15:guide id="1" orient="horz" pos="696">
           <p15:clr>
             <a:srgbClr val="FBAE40"/>
@@ -4985,7 +5005,7 @@
       </p:sp>
       <p:sp>
         <p:nvSpPr>
-          <p:cNvPr id="11" name="Freeform 11" title="right scallop background shape"/>
+          <p:cNvPr id="11" name="Freeform 11"/>
           <p:cNvSpPr/>
           <p:nvPr/>
         </p:nvSpPr>
@@ -5446,7 +5466,7 @@
       </p:sp>
       <p:sp>
         <p:nvSpPr>
-          <p:cNvPr id="12" name="Rectangle 11" title="left edge border"/>
+          <p:cNvPr id="12" name="Rectangle 11"/>
           <p:cNvSpPr/>
           <p:nvPr/>
         </p:nvSpPr>
@@ -5621,7 +5641,8 @@
           <a:p>
             <a:fld id="{4708F9EB-58F5-40FE-8B35-EE98E53F9B00}" type="datetimeFigureOut">
               <a:rPr lang="ro-RO" smtClean="0"/>
-              <a:t>10.03.2020</a:t>
+              <a:pPr/>
+              <a:t>07.06.2020</a:t>
             </a:fld>
             <a:endParaRPr lang="ro-RO"/>
           </a:p>
@@ -5673,6 +5694,7 @@
           <a:p>
             <a:fld id="{73B0D5A8-B919-446E-BC1F-11725B04E1C3}" type="slidenum">
               <a:rPr lang="ro-RO" smtClean="0"/>
+              <a:pPr/>
               <a:t>‹#›</a:t>
             </a:fld>
             <a:endParaRPr lang="ro-RO"/>
@@ -5682,7 +5704,7 @@
     </p:spTree>
     <p:extLst>
       <p:ext uri="{BB962C8B-B14F-4D97-AF65-F5344CB8AC3E}">
-        <p14:creationId xmlns:p14="http://schemas.microsoft.com/office/powerpoint/2010/main" val="2001501329"/>
+        <p14:creationId xmlns:p14="http://schemas.microsoft.com/office/powerpoint/2010/main" xmlns="" val="2001501329"/>
       </p:ext>
     </p:extLst>
   </p:cSld>
@@ -5848,7 +5870,8 @@
           <a:p>
             <a:fld id="{4708F9EB-58F5-40FE-8B35-EE98E53F9B00}" type="datetimeFigureOut">
               <a:rPr lang="ro-RO" smtClean="0"/>
-              <a:t>10.03.2020</a:t>
+              <a:pPr/>
+              <a:t>07.06.2020</a:t>
             </a:fld>
             <a:endParaRPr lang="ro-RO"/>
           </a:p>
@@ -5928,6 +5951,7 @@
           <a:p>
             <a:fld id="{73B0D5A8-B919-446E-BC1F-11725B04E1C3}" type="slidenum">
               <a:rPr lang="ro-RO" smtClean="0"/>
+              <a:pPr/>
               <a:t>‹#›</a:t>
             </a:fld>
             <a:endParaRPr lang="ro-RO"/>
@@ -5936,7 +5960,7 @@
       </p:sp>
       <p:sp>
         <p:nvSpPr>
-          <p:cNvPr id="11" name="Freeform 6" title="Left scallop edge"/>
+          <p:cNvPr id="11" name="Freeform 6"/>
           <p:cNvSpPr/>
           <p:nvPr/>
         </p:nvSpPr>
@@ -6400,7 +6424,7 @@
       </p:sp>
       <p:sp>
         <p:nvSpPr>
-          <p:cNvPr id="12" name="Rectangle 11" title="right edge border"/>
+          <p:cNvPr id="12" name="Rectangle 11"/>
           <p:cNvSpPr/>
           <p:nvPr/>
         </p:nvSpPr>
@@ -6439,7 +6463,7 @@
     </p:spTree>
     <p:extLst>
       <p:ext uri="{BB962C8B-B14F-4D97-AF65-F5344CB8AC3E}">
-        <p14:creationId xmlns:p14="http://schemas.microsoft.com/office/powerpoint/2010/main" val="2614914977"/>
+        <p14:creationId xmlns:p14="http://schemas.microsoft.com/office/powerpoint/2010/main" xmlns="" val="2614914977"/>
       </p:ext>
     </p:extLst>
   </p:cSld>
@@ -6793,7 +6817,7 @@
   </p:txStyles>
   <p:extLst>
     <p:ext uri="{27BBF7A9-308A-43DC-89C8-2F10F3537804}">
-      <p15:sldGuideLst xmlns:p15="http://schemas.microsoft.com/office/powerpoint/2012/main">
+      <p15:sldGuideLst xmlns:p15="http://schemas.microsoft.com/office/powerpoint/2012/main" xmlns="">
         <p15:guide id="1" pos="792">
           <p15:clr>
             <a:srgbClr val="F26B43"/>
@@ -6852,7 +6876,7 @@
           <p:cNvPr id="2" name="Title 1">
             <a:extLst>
               <a:ext uri="{FF2B5EF4-FFF2-40B4-BE49-F238E27FC236}">
-                <a16:creationId xmlns:a16="http://schemas.microsoft.com/office/drawing/2014/main" id="{378F407B-E540-4619-BF77-0A73B8D2B49E}"/>
+                <a16:creationId xmlns:a16="http://schemas.microsoft.com/office/drawing/2014/main" xmlns="" id="{378F407B-E540-4619-BF77-0A73B8D2B49E}"/>
               </a:ext>
             </a:extLst>
           </p:cNvPr>
@@ -6884,7 +6908,7 @@
     </p:spTree>
     <p:extLst>
       <p:ext uri="{BB962C8B-B14F-4D97-AF65-F5344CB8AC3E}">
-        <p14:creationId xmlns:p14="http://schemas.microsoft.com/office/powerpoint/2010/main" val="370169121"/>
+        <p14:creationId xmlns:p14="http://schemas.microsoft.com/office/powerpoint/2010/main" xmlns="" val="370169121"/>
       </p:ext>
     </p:extLst>
   </p:cSld>
@@ -6916,7 +6940,7 @@
           <p:cNvPr id="2" name="Title 1">
             <a:extLst>
               <a:ext uri="{FF2B5EF4-FFF2-40B4-BE49-F238E27FC236}">
-                <a16:creationId xmlns:a16="http://schemas.microsoft.com/office/drawing/2014/main" id="{52FBFB3A-16D9-47DC-890C-4F0A4ECAC76C}"/>
+                <a16:creationId xmlns:a16="http://schemas.microsoft.com/office/drawing/2014/main" xmlns="" id="{52FBFB3A-16D9-47DC-890C-4F0A4ECAC76C}"/>
               </a:ext>
             </a:extLst>
           </p:cNvPr>
@@ -6960,7 +6984,7 @@
           <p:cNvPr id="1026" name="Picture 2" descr="Imagini pentru MEN IMAGE VECTOR">
             <a:extLst>
               <a:ext uri="{FF2B5EF4-FFF2-40B4-BE49-F238E27FC236}">
-                <a16:creationId xmlns:a16="http://schemas.microsoft.com/office/drawing/2014/main" id="{976D8B0D-2965-428A-9FCD-99C100EF849C}"/>
+                <a16:creationId xmlns:a16="http://schemas.microsoft.com/office/drawing/2014/main" xmlns="" id="{976D8B0D-2965-428A-9FCD-99C100EF849C}"/>
               </a:ext>
             </a:extLst>
           </p:cNvPr>
@@ -6973,7 +6997,7 @@
           <a:blip r:embed="rId2">
             <a:extLst>
               <a:ext uri="{28A0092B-C50C-407E-A947-70E740481C1C}">
-                <a14:useLocalDpi xmlns:a14="http://schemas.microsoft.com/office/drawing/2010/main" val="0"/>
+                <a14:useLocalDpi xmlns:a14="http://schemas.microsoft.com/office/drawing/2010/main" xmlns="" val="0"/>
               </a:ext>
             </a:extLst>
           </a:blip>
@@ -6993,7 +7017,7 @@
           <a:noFill/>
           <a:extLst>
             <a:ext uri="{909E8E84-426E-40DD-AFC4-6F175D3DCCD1}">
-              <a14:hiddenFill xmlns:a14="http://schemas.microsoft.com/office/drawing/2010/main">
+              <a14:hiddenFill xmlns:a14="http://schemas.microsoft.com/office/drawing/2010/main" xmlns="">
                 <a:solidFill>
                   <a:srgbClr val="FFFFFF"/>
                 </a:solidFill>
@@ -7007,7 +7031,7 @@
           <p:cNvPr id="6" name="Thought Bubble: Cloud 5">
             <a:extLst>
               <a:ext uri="{FF2B5EF4-FFF2-40B4-BE49-F238E27FC236}">
-                <a16:creationId xmlns:a16="http://schemas.microsoft.com/office/drawing/2014/main" id="{7516DF25-4069-41A1-80CE-564F69C082F5}"/>
+                <a16:creationId xmlns:a16="http://schemas.microsoft.com/office/drawing/2014/main" xmlns="" id="{7516DF25-4069-41A1-80CE-564F69C082F5}"/>
               </a:ext>
             </a:extLst>
           </p:cNvPr>
@@ -7137,7 +7161,7 @@
           <p:cNvPr id="9" name="TextBox 8">
             <a:extLst>
               <a:ext uri="{FF2B5EF4-FFF2-40B4-BE49-F238E27FC236}">
-                <a16:creationId xmlns:a16="http://schemas.microsoft.com/office/drawing/2014/main" id="{574F5216-14CB-420E-AC2E-1AC6013C041A}"/>
+                <a16:creationId xmlns:a16="http://schemas.microsoft.com/office/drawing/2014/main" xmlns="" id="{574F5216-14CB-420E-AC2E-1AC6013C041A}"/>
               </a:ext>
             </a:extLst>
           </p:cNvPr>
@@ -7175,7 +7199,7 @@
     </p:spTree>
     <p:extLst>
       <p:ext uri="{BB962C8B-B14F-4D97-AF65-F5344CB8AC3E}">
-        <p14:creationId xmlns:p14="http://schemas.microsoft.com/office/powerpoint/2010/main" val="4109453727"/>
+        <p14:creationId xmlns:p14="http://schemas.microsoft.com/office/powerpoint/2010/main" xmlns="" val="4109453727"/>
       </p:ext>
     </p:extLst>
   </p:cSld>
@@ -7207,7 +7231,7 @@
           <p:cNvPr id="2" name="Title 1">
             <a:extLst>
               <a:ext uri="{FF2B5EF4-FFF2-40B4-BE49-F238E27FC236}">
-                <a16:creationId xmlns:a16="http://schemas.microsoft.com/office/drawing/2014/main" id="{6E8BDA65-B3AF-4BB2-9A7C-81DE2D1C8495}"/>
+                <a16:creationId xmlns:a16="http://schemas.microsoft.com/office/drawing/2014/main" xmlns="" id="{6E8BDA65-B3AF-4BB2-9A7C-81DE2D1C8495}"/>
               </a:ext>
             </a:extLst>
           </p:cNvPr>
@@ -7243,7 +7267,7 @@
           <p:cNvPr id="7" name="Content Placeholder 6">
             <a:extLst>
               <a:ext uri="{FF2B5EF4-FFF2-40B4-BE49-F238E27FC236}">
-                <a16:creationId xmlns:a16="http://schemas.microsoft.com/office/drawing/2014/main" id="{5031B3CF-8A78-415E-A971-3D43E66B0E92}"/>
+                <a16:creationId xmlns:a16="http://schemas.microsoft.com/office/drawing/2014/main" xmlns="" id="{5031B3CF-8A78-415E-A971-3D43E66B0E92}"/>
               </a:ext>
             </a:extLst>
           </p:cNvPr>
@@ -7255,10 +7279,10 @@
           </p:nvPr>
         </p:nvPicPr>
         <p:blipFill>
-          <a:blip r:embed="rId2">
+          <a:blip r:embed="rId2" cstate="print">
             <a:extLst>
               <a:ext uri="{28A0092B-C50C-407E-A947-70E740481C1C}">
-                <a14:useLocalDpi xmlns:a14="http://schemas.microsoft.com/office/drawing/2010/main" val="0"/>
+                <a14:useLocalDpi xmlns:a14="http://schemas.microsoft.com/office/drawing/2010/main" xmlns="" val="0"/>
               </a:ext>
             </a:extLst>
           </a:blip>
@@ -7278,7 +7302,7 @@
           <p:cNvPr id="9" name="Picture 8">
             <a:extLst>
               <a:ext uri="{FF2B5EF4-FFF2-40B4-BE49-F238E27FC236}">
-                <a16:creationId xmlns:a16="http://schemas.microsoft.com/office/drawing/2014/main" id="{DDC04E66-C774-46FF-9017-FF709BD36DF7}"/>
+                <a16:creationId xmlns:a16="http://schemas.microsoft.com/office/drawing/2014/main" xmlns="" id="{DDC04E66-C774-46FF-9017-FF709BD36DF7}"/>
               </a:ext>
             </a:extLst>
           </p:cNvPr>
@@ -7291,7 +7315,7 @@
           <a:blip r:embed="rId3">
             <a:extLst>
               <a:ext uri="{28A0092B-C50C-407E-A947-70E740481C1C}">
-                <a14:useLocalDpi xmlns:a14="http://schemas.microsoft.com/office/drawing/2010/main" val="0"/>
+                <a14:useLocalDpi xmlns:a14="http://schemas.microsoft.com/office/drawing/2010/main" xmlns="" val="0"/>
               </a:ext>
             </a:extLst>
           </a:blip>
@@ -7314,7 +7338,7 @@
           <p:cNvPr id="10" name="TextBox 9">
             <a:extLst>
               <a:ext uri="{FF2B5EF4-FFF2-40B4-BE49-F238E27FC236}">
-                <a16:creationId xmlns:a16="http://schemas.microsoft.com/office/drawing/2014/main" id="{52555F8D-DCD4-487B-B7EE-49F5F02F19A0}"/>
+                <a16:creationId xmlns:a16="http://schemas.microsoft.com/office/drawing/2014/main" xmlns="" id="{52555F8D-DCD4-487B-B7EE-49F5F02F19A0}"/>
               </a:ext>
             </a:extLst>
           </p:cNvPr>
@@ -7450,7 +7474,7 @@
     </p:spTree>
     <p:extLst>
       <p:ext uri="{BB962C8B-B14F-4D97-AF65-F5344CB8AC3E}">
-        <p14:creationId xmlns:p14="http://schemas.microsoft.com/office/powerpoint/2010/main" val="2930590948"/>
+        <p14:creationId xmlns:p14="http://schemas.microsoft.com/office/powerpoint/2010/main" xmlns="" val="2930590948"/>
       </p:ext>
     </p:extLst>
   </p:cSld>
@@ -7482,7 +7506,7 @@
           <p:cNvPr id="2" name="Title 1">
             <a:extLst>
               <a:ext uri="{FF2B5EF4-FFF2-40B4-BE49-F238E27FC236}">
-                <a16:creationId xmlns:a16="http://schemas.microsoft.com/office/drawing/2014/main" id="{83584583-06B1-4FD9-A530-45BB779F768E}"/>
+                <a16:creationId xmlns:a16="http://schemas.microsoft.com/office/drawing/2014/main" xmlns="" id="{83584583-06B1-4FD9-A530-45BB779F768E}"/>
               </a:ext>
             </a:extLst>
           </p:cNvPr>
@@ -7518,7 +7542,7 @@
           <p:cNvPr id="11" name="Picture 10">
             <a:extLst>
               <a:ext uri="{FF2B5EF4-FFF2-40B4-BE49-F238E27FC236}">
-                <a16:creationId xmlns:a16="http://schemas.microsoft.com/office/drawing/2014/main" id="{6ADFA39F-91DA-4F0F-AEDD-5743A9D74B94}"/>
+                <a16:creationId xmlns:a16="http://schemas.microsoft.com/office/drawing/2014/main" xmlns="" id="{6ADFA39F-91DA-4F0F-AEDD-5743A9D74B94}"/>
               </a:ext>
             </a:extLst>
           </p:cNvPr>
@@ -7531,7 +7555,7 @@
           <a:blip r:embed="rId2">
             <a:extLst>
               <a:ext uri="{28A0092B-C50C-407E-A947-70E740481C1C}">
-                <a14:useLocalDpi xmlns:a14="http://schemas.microsoft.com/office/drawing/2010/main" val="0"/>
+                <a14:useLocalDpi xmlns:a14="http://schemas.microsoft.com/office/drawing/2010/main" xmlns="" val="0"/>
               </a:ext>
             </a:extLst>
           </a:blip>
@@ -7554,7 +7578,7 @@
           <p:cNvPr id="17" name="Content Placeholder 16">
             <a:extLst>
               <a:ext uri="{FF2B5EF4-FFF2-40B4-BE49-F238E27FC236}">
-                <a16:creationId xmlns:a16="http://schemas.microsoft.com/office/drawing/2014/main" id="{48644845-3744-4E58-BB88-93F82514FB37}"/>
+                <a16:creationId xmlns:a16="http://schemas.microsoft.com/office/drawing/2014/main" xmlns="" id="{48644845-3744-4E58-BB88-93F82514FB37}"/>
               </a:ext>
             </a:extLst>
           </p:cNvPr>
@@ -7611,7 +7635,7 @@
     </p:spTree>
     <p:extLst>
       <p:ext uri="{BB962C8B-B14F-4D97-AF65-F5344CB8AC3E}">
-        <p14:creationId xmlns:p14="http://schemas.microsoft.com/office/powerpoint/2010/main" val="934405220"/>
+        <p14:creationId xmlns:p14="http://schemas.microsoft.com/office/powerpoint/2010/main" xmlns="" val="934405220"/>
       </p:ext>
     </p:extLst>
   </p:cSld>
@@ -7643,7 +7667,7 @@
           <p:cNvPr id="2" name="Title 1">
             <a:extLst>
               <a:ext uri="{FF2B5EF4-FFF2-40B4-BE49-F238E27FC236}">
-                <a16:creationId xmlns:a16="http://schemas.microsoft.com/office/drawing/2014/main" id="{41745EF3-58E7-4153-8160-371B5545DFC7}"/>
+                <a16:creationId xmlns:a16="http://schemas.microsoft.com/office/drawing/2014/main" xmlns="" id="{41745EF3-58E7-4153-8160-371B5545DFC7}"/>
               </a:ext>
             </a:extLst>
           </p:cNvPr>
@@ -7688,7 +7712,7 @@
           <p:cNvPr id="3" name="Content Placeholder 2">
             <a:extLst>
               <a:ext uri="{FF2B5EF4-FFF2-40B4-BE49-F238E27FC236}">
-                <a16:creationId xmlns:a16="http://schemas.microsoft.com/office/drawing/2014/main" id="{66C0CD1A-EE82-4C2D-BB78-9D48AF0A97FC}"/>
+                <a16:creationId xmlns:a16="http://schemas.microsoft.com/office/drawing/2014/main" xmlns="" id="{66C0CD1A-EE82-4C2D-BB78-9D48AF0A97FC}"/>
               </a:ext>
             </a:extLst>
           </p:cNvPr>
@@ -7867,7 +7891,7 @@
           <p:cNvPr id="6" name="Content Placeholder 2">
             <a:extLst>
               <a:ext uri="{FF2B5EF4-FFF2-40B4-BE49-F238E27FC236}">
-                <a16:creationId xmlns:a16="http://schemas.microsoft.com/office/drawing/2014/main" id="{998E9632-F707-4C0E-B4F3-AEFF97D915EA}"/>
+                <a16:creationId xmlns:a16="http://schemas.microsoft.com/office/drawing/2014/main" xmlns="" id="{998E9632-F707-4C0E-B4F3-AEFF97D915EA}"/>
               </a:ext>
             </a:extLst>
           </p:cNvPr>
@@ -8259,7 +8283,7 @@
           <p:cNvPr id="8" name="Graphic 7" descr="Fork and knife">
             <a:extLst>
               <a:ext uri="{FF2B5EF4-FFF2-40B4-BE49-F238E27FC236}">
-                <a16:creationId xmlns:a16="http://schemas.microsoft.com/office/drawing/2014/main" id="{93485D89-FA2D-4B8A-A94C-94B61E8EA5C5}"/>
+                <a16:creationId xmlns:a16="http://schemas.microsoft.com/office/drawing/2014/main" xmlns="" id="{93485D89-FA2D-4B8A-A94C-94B61E8EA5C5}"/>
               </a:ext>
             </a:extLst>
           </p:cNvPr>
@@ -8269,13 +8293,13 @@
           <p:nvPr/>
         </p:nvPicPr>
         <p:blipFill>
-          <a:blip r:embed="rId2">
+          <a:blip r:embed="rId2" cstate="print">
             <a:extLst>
               <a:ext uri="{28A0092B-C50C-407E-A947-70E740481C1C}">
-                <a14:useLocalDpi xmlns:a14="http://schemas.microsoft.com/office/drawing/2010/main" val="0"/>
+                <a14:useLocalDpi xmlns:a14="http://schemas.microsoft.com/office/drawing/2010/main" xmlns="" val="0"/>
               </a:ext>
               <a:ext uri="{96DAC541-7B7A-43D3-8B79-37D633B846F1}">
-                <asvg:svgBlip xmlns:asvg="http://schemas.microsoft.com/office/drawing/2016/SVG/main" r:embed="rId3"/>
+                <asvg:svgBlip xmlns:asvg="http://schemas.microsoft.com/office/drawing/2016/SVG/main" xmlns="" r:embed="rId3"/>
               </a:ext>
             </a:extLst>
           </a:blip>
@@ -8298,7 +8322,7 @@
           <p:cNvPr id="10" name="Graphic 9" descr="Male profile">
             <a:extLst>
               <a:ext uri="{FF2B5EF4-FFF2-40B4-BE49-F238E27FC236}">
-                <a16:creationId xmlns:a16="http://schemas.microsoft.com/office/drawing/2014/main" id="{BF3CBDB4-0000-4CB7-925B-C38CB1F3FE5D}"/>
+                <a16:creationId xmlns:a16="http://schemas.microsoft.com/office/drawing/2014/main" xmlns="" id="{BF3CBDB4-0000-4CB7-925B-C38CB1F3FE5D}"/>
               </a:ext>
             </a:extLst>
           </p:cNvPr>
@@ -8308,13 +8332,13 @@
           <p:nvPr/>
         </p:nvPicPr>
         <p:blipFill>
-          <a:blip r:embed="rId4">
+          <a:blip r:embed="rId4" cstate="print">
             <a:extLst>
               <a:ext uri="{28A0092B-C50C-407E-A947-70E740481C1C}">
-                <a14:useLocalDpi xmlns:a14="http://schemas.microsoft.com/office/drawing/2010/main" val="0"/>
+                <a14:useLocalDpi xmlns:a14="http://schemas.microsoft.com/office/drawing/2010/main" xmlns="" val="0"/>
               </a:ext>
               <a:ext uri="{96DAC541-7B7A-43D3-8B79-37D633B846F1}">
-                <asvg:svgBlip xmlns:asvg="http://schemas.microsoft.com/office/drawing/2016/SVG/main" r:embed="rId5"/>
+                <asvg:svgBlip xmlns:asvg="http://schemas.microsoft.com/office/drawing/2016/SVG/main" xmlns="" r:embed="rId5"/>
               </a:ext>
             </a:extLst>
           </a:blip>
@@ -8335,7 +8359,7 @@
     </p:spTree>
     <p:extLst>
       <p:ext uri="{BB962C8B-B14F-4D97-AF65-F5344CB8AC3E}">
-        <p14:creationId xmlns:p14="http://schemas.microsoft.com/office/powerpoint/2010/main" val="908223366"/>
+        <p14:creationId xmlns:p14="http://schemas.microsoft.com/office/powerpoint/2010/main" xmlns="" val="908223366"/>
       </p:ext>
     </p:extLst>
   </p:cSld>
@@ -8367,7 +8391,7 @@
           <p:cNvPr id="2" name="Title 1">
             <a:extLst>
               <a:ext uri="{FF2B5EF4-FFF2-40B4-BE49-F238E27FC236}">
-                <a16:creationId xmlns:a16="http://schemas.microsoft.com/office/drawing/2014/main" id="{209A37A8-24F3-4C75-B1C2-910750C9093C}"/>
+                <a16:creationId xmlns:a16="http://schemas.microsoft.com/office/drawing/2014/main" xmlns="" id="{209A37A8-24F3-4C75-B1C2-910750C9093C}"/>
               </a:ext>
             </a:extLst>
           </p:cNvPr>
@@ -8399,7 +8423,7 @@
           <p:cNvPr id="25" name="Content Placeholder 24">
             <a:extLst>
               <a:ext uri="{FF2B5EF4-FFF2-40B4-BE49-F238E27FC236}">
-                <a16:creationId xmlns:a16="http://schemas.microsoft.com/office/drawing/2014/main" id="{B3022375-D60B-449D-8B92-7D7C153CAA16}"/>
+                <a16:creationId xmlns:a16="http://schemas.microsoft.com/office/drawing/2014/main" xmlns="" id="{B3022375-D60B-449D-8B92-7D7C153CAA16}"/>
               </a:ext>
             </a:extLst>
           </p:cNvPr>
@@ -8411,10 +8435,10 @@
           </p:nvPr>
         </p:nvPicPr>
         <p:blipFill>
-          <a:blip r:embed="rId2">
+          <a:blip r:embed="rId2" cstate="print">
             <a:extLst>
               <a:ext uri="{28A0092B-C50C-407E-A947-70E740481C1C}">
-                <a14:useLocalDpi xmlns:a14="http://schemas.microsoft.com/office/drawing/2010/main" val="0"/>
+                <a14:useLocalDpi xmlns:a14="http://schemas.microsoft.com/office/drawing/2010/main" xmlns="" val="0"/>
               </a:ext>
             </a:extLst>
           </a:blip>
@@ -8424,17 +8448,17 @@
         </p:blipFill>
         <p:spPr>
           <a:xfrm>
-            <a:off x="1253807" y="2469402"/>
-            <a:ext cx="3572987" cy="3437910"/>
+            <a:off x="5089207" y="2685058"/>
+            <a:ext cx="2873693" cy="2765053"/>
           </a:xfrm>
         </p:spPr>
       </p:pic>
       <p:pic>
         <p:nvPicPr>
-          <p:cNvPr id="29" name="Picture 28">
+          <p:cNvPr id="31" name="Picture 30">
             <a:extLst>
               <a:ext uri="{FF2B5EF4-FFF2-40B4-BE49-F238E27FC236}">
-                <a16:creationId xmlns:a16="http://schemas.microsoft.com/office/drawing/2014/main" id="{A36A805B-61C8-40B2-9A10-AA29D19E3A09}"/>
+                <a16:creationId xmlns:a16="http://schemas.microsoft.com/office/drawing/2014/main" xmlns="" id="{5804C755-D080-42F1-AB54-066D6C31AF8D}"/>
               </a:ext>
             </a:extLst>
           </p:cNvPr>
@@ -8447,7 +8471,7 @@
           <a:blip r:embed="rId3">
             <a:extLst>
               <a:ext uri="{28A0092B-C50C-407E-A947-70E740481C1C}">
-                <a14:useLocalDpi xmlns:a14="http://schemas.microsoft.com/office/drawing/2010/main" val="0"/>
+                <a14:useLocalDpi xmlns:a14="http://schemas.microsoft.com/office/drawing/2010/main" xmlns="" val="0"/>
               </a:ext>
             </a:extLst>
           </a:blip>
@@ -8457,43 +8481,7 @@
         </p:blipFill>
         <p:spPr>
           <a:xfrm>
-            <a:off x="4633673" y="1323424"/>
-            <a:ext cx="4395636" cy="4395636"/>
-          </a:xfrm>
-          <a:prstGeom prst="rect">
-            <a:avLst/>
-          </a:prstGeom>
-        </p:spPr>
-      </p:pic>
-      <p:pic>
-        <p:nvPicPr>
-          <p:cNvPr id="31" name="Picture 30">
-            <a:extLst>
-              <a:ext uri="{FF2B5EF4-FFF2-40B4-BE49-F238E27FC236}">
-                <a16:creationId xmlns:a16="http://schemas.microsoft.com/office/drawing/2014/main" id="{5804C755-D080-42F1-AB54-066D6C31AF8D}"/>
-              </a:ext>
-            </a:extLst>
-          </p:cNvPr>
-          <p:cNvPicPr>
-            <a:picLocks noChangeAspect="1"/>
-          </p:cNvPicPr>
-          <p:nvPr/>
-        </p:nvPicPr>
-        <p:blipFill>
-          <a:blip r:embed="rId4">
-            <a:extLst>
-              <a:ext uri="{28A0092B-C50C-407E-A947-70E740481C1C}">
-                <a14:useLocalDpi xmlns:a14="http://schemas.microsoft.com/office/drawing/2010/main" val="0"/>
-              </a:ext>
-            </a:extLst>
-          </a:blip>
-          <a:stretch>
-            <a:fillRect/>
-          </a:stretch>
-        </p:blipFill>
-        <p:spPr>
-          <a:xfrm>
-            <a:off x="5415151" y="4004930"/>
+            <a:off x="1503551" y="4093830"/>
             <a:ext cx="2832681" cy="1529646"/>
           </a:xfrm>
           <a:prstGeom prst="rect">
@@ -8503,44 +8491,86 @@
       </p:pic>
       <p:pic>
         <p:nvPicPr>
-          <p:cNvPr id="45" name="Picture 44">
-            <a:extLst>
-              <a:ext uri="{FF2B5EF4-FFF2-40B4-BE49-F238E27FC236}">
-                <a16:creationId xmlns:a16="http://schemas.microsoft.com/office/drawing/2014/main" id="{C9E5EDF1-6D9A-48E3-96A6-D0F5C5078032}"/>
-              </a:ext>
-            </a:extLst>
-          </p:cNvPr>
+          <p:cNvPr id="1027" name="Picture 3" descr="C:\Users\asus\Downloads\gradle-1-svg.png"/>
           <p:cNvPicPr>
-            <a:picLocks noChangeAspect="1"/>
+            <a:picLocks noChangeAspect="1" noChangeArrowheads="1"/>
           </p:cNvPicPr>
           <p:nvPr/>
         </p:nvPicPr>
         <p:blipFill>
-          <a:blip r:embed="rId5">
-            <a:extLst>
-              <a:ext uri="{28A0092B-C50C-407E-A947-70E740481C1C}">
-                <a14:useLocalDpi xmlns:a14="http://schemas.microsoft.com/office/drawing/2010/main" val="0"/>
-              </a:ext>
-            </a:extLst>
-          </a:blip>
+          <a:blip r:embed="rId4"/>
+          <a:srcRect/>
           <a:stretch>
             <a:fillRect/>
           </a:stretch>
         </p:blipFill>
-        <p:spPr>
+        <p:spPr bwMode="auto">
           <a:xfrm>
-            <a:off x="9242346" y="3201048"/>
-            <a:ext cx="1974617" cy="1974617"/>
+            <a:off x="1357183" y="2738902"/>
+            <a:ext cx="3532317" cy="759859"/>
           </a:xfrm>
           <a:prstGeom prst="rect">
             <a:avLst/>
           </a:prstGeom>
+          <a:noFill/>
+        </p:spPr>
+      </p:pic>
+      <p:pic>
+        <p:nvPicPr>
+          <p:cNvPr id="1028" name="Picture 4" descr="C:\Users\asus\Desktop\retele examen\logo-standard.png"/>
+          <p:cNvPicPr>
+            <a:picLocks noChangeAspect="1" noChangeArrowheads="1"/>
+          </p:cNvPicPr>
+          <p:nvPr/>
+        </p:nvPicPr>
+        <p:blipFill>
+          <a:blip r:embed="rId5"/>
+          <a:srcRect/>
+          <a:stretch>
+            <a:fillRect/>
+          </a:stretch>
+        </p:blipFill>
+        <p:spPr bwMode="auto">
+          <a:xfrm>
+            <a:off x="7454900" y="2257822"/>
+            <a:ext cx="4737100" cy="1628378"/>
+          </a:xfrm>
+          <a:prstGeom prst="rect">
+            <a:avLst/>
+          </a:prstGeom>
+          <a:noFill/>
+        </p:spPr>
+      </p:pic>
+      <p:pic>
+        <p:nvPicPr>
+          <p:cNvPr id="1029" name="Picture 5" descr="C:\Users\asus\Desktop\retele examen\305612896.jpg"/>
+          <p:cNvPicPr>
+            <a:picLocks noChangeAspect="1" noChangeArrowheads="1"/>
+          </p:cNvPicPr>
+          <p:nvPr/>
+        </p:nvPicPr>
+        <p:blipFill>
+          <a:blip r:embed="rId6"/>
+          <a:srcRect/>
+          <a:stretch>
+            <a:fillRect/>
+          </a:stretch>
+        </p:blipFill>
+        <p:spPr bwMode="auto">
+          <a:xfrm>
+            <a:off x="9042400" y="3975100"/>
+            <a:ext cx="1765300" cy="1765300"/>
+          </a:xfrm>
+          <a:prstGeom prst="rect">
+            <a:avLst/>
+          </a:prstGeom>
+          <a:noFill/>
         </p:spPr>
       </p:pic>
     </p:spTree>
     <p:extLst>
       <p:ext uri="{BB962C8B-B14F-4D97-AF65-F5344CB8AC3E}">
-        <p14:creationId xmlns:p14="http://schemas.microsoft.com/office/powerpoint/2010/main" val="290898385"/>
+        <p14:creationId xmlns:p14="http://schemas.microsoft.com/office/powerpoint/2010/main" xmlns="" val="290898385"/>
       </p:ext>
     </p:extLst>
   </p:cSld>
@@ -8572,7 +8602,7 @@
           <p:cNvPr id="2" name="Title 1">
             <a:extLst>
               <a:ext uri="{FF2B5EF4-FFF2-40B4-BE49-F238E27FC236}">
-                <a16:creationId xmlns:a16="http://schemas.microsoft.com/office/drawing/2014/main" id="{38BFEF1E-CFDE-4DA5-988F-A96029E6FCE2}"/>
+                <a16:creationId xmlns:a16="http://schemas.microsoft.com/office/drawing/2014/main" xmlns="" id="{38BFEF1E-CFDE-4DA5-988F-A96029E6FCE2}"/>
               </a:ext>
             </a:extLst>
           </p:cNvPr>
@@ -8616,7 +8646,7 @@
           <p:cNvPr id="3" name="Content Placeholder 2">
             <a:extLst>
               <a:ext uri="{FF2B5EF4-FFF2-40B4-BE49-F238E27FC236}">
-                <a16:creationId xmlns:a16="http://schemas.microsoft.com/office/drawing/2014/main" id="{8939B4F5-E9FF-4F72-81F3-2E41BF0ADF9A}"/>
+                <a16:creationId xmlns:a16="http://schemas.microsoft.com/office/drawing/2014/main" xmlns="" id="{8939B4F5-E9FF-4F72-81F3-2E41BF0ADF9A}"/>
               </a:ext>
             </a:extLst>
           </p:cNvPr>
@@ -8706,7 +8736,7 @@
     </p:spTree>
     <p:extLst>
       <p:ext uri="{BB962C8B-B14F-4D97-AF65-F5344CB8AC3E}">
-        <p14:creationId xmlns:p14="http://schemas.microsoft.com/office/powerpoint/2010/main" val="2390407563"/>
+        <p14:creationId xmlns:p14="http://schemas.microsoft.com/office/powerpoint/2010/main" xmlns="" val="2390407563"/>
       </p:ext>
     </p:extLst>
   </p:cSld>
@@ -8759,7 +8789,7 @@
     </a:clrScheme>
     <a:fontScheme name="Badge">
       <a:majorFont>
-        <a:latin typeface="Impact" panose="020B0806030902050204"/>
+        <a:latin typeface="Impact"/>
         <a:ea typeface=""/>
         <a:cs typeface=""/>
         <a:font script="Jpan" typeface="メイリオ"/>
@@ -8794,7 +8824,7 @@
         <a:font script="Geor" typeface="Sylfaen"/>
       </a:majorFont>
       <a:minorFont>
-        <a:latin typeface="Gill Sans MT" panose="020B0502020104020203"/>
+        <a:latin typeface="Gill Sans MT"/>
         <a:ea typeface=""/>
         <a:cs typeface=""/>
         <a:font script="Grek" typeface="Corbel"/>
@@ -8970,7 +9000,7 @@
   <a:extraClrSchemeLst/>
   <a:extLst>
     <a:ext uri="{05A4C25C-085E-4340-85A3-A5531E510DB2}">
-      <thm15:themeFamily xmlns:thm15="http://schemas.microsoft.com/office/thememl/2012/main" name="Badge" id="{71A07785-5930-41D4-9A83-E23602B48E98}" vid="{771EA782-DFA6-45B1-AEA3-661F1715B310}"/>
+      <thm15:themeFamily xmlns:thm15="http://schemas.microsoft.com/office/thememl/2012/main" xmlns="" name="Badge" id="{71A07785-5930-41D4-9A83-E23602B48E98}" vid="{771EA782-DFA6-45B1-AEA3-661F1715B310}"/>
     </a:ext>
   </a:extLst>
 </a:theme>
